--- a/css-bootstrap-less.pptx
+++ b/css-bootstrap-less.pptx
@@ -27557,7 +27557,40 @@
                   <a:srgbClr val="00B050"/>
                 </a:solidFill>
               </a:rPr>
-              <a:t>TYPES – INLINE – as attribute</a:t>
+              <a:t>TYPES – </a:t>
+            </a:r>
+            <a:r>
+              <a:rPr lang="en-US" b="1">
+                <a:solidFill>
+                  <a:srgbClr val="00B050"/>
+                </a:solidFill>
+              </a:rPr>
+              <a:t>INLINE  </a:t>
+            </a:r>
+            <a:r>
+              <a:rPr lang="en-US" b="1">
+                <a:solidFill>
+                  <a:srgbClr val="00B050"/>
+                </a:solidFill>
+                <a:sym typeface="Wingdings" pitchFamily="2" charset="2"/>
+              </a:rPr>
+              <a:t></a:t>
+            </a:r>
+            <a:r>
+              <a:rPr lang="en-US" b="1">
+                <a:solidFill>
+                  <a:srgbClr val="00B050"/>
+                </a:solidFill>
+              </a:rPr>
+              <a:t> </a:t>
+            </a:r>
+            <a:r>
+              <a:rPr lang="en-US" b="1" dirty="0">
+                <a:solidFill>
+                  <a:srgbClr val="00B050"/>
+                </a:solidFill>
+              </a:rPr>
+              <a:t>as attribute</a:t>
             </a:r>
           </a:p>
         </p:txBody>

--- a/css-bootstrap-less.pptx
+++ b/css-bootstrap-less.pptx
@@ -27535,7 +27535,7 @@
         </p:nvSpPr>
         <p:spPr>
           <a:xfrm>
-            <a:off x="1420337" y="379298"/>
+            <a:off x="1407637" y="266170"/>
             <a:ext cx="9603275" cy="753148"/>
           </a:xfrm>
         </p:spPr>
@@ -27557,40 +27557,24 @@
                   <a:srgbClr val="00B050"/>
                 </a:solidFill>
               </a:rPr>
-              <a:t>TYPES – </a:t>
-            </a:r>
-            <a:r>
-              <a:rPr lang="en-US" b="1">
+              <a:t>TYPES – INLINE  </a:t>
+            </a:r>
+            <a:r>
+              <a:rPr lang="en-US" b="1" dirty="0">
                 <a:solidFill>
                   <a:srgbClr val="00B050"/>
                 </a:solidFill>
-              </a:rPr>
-              <a:t>INLINE  </a:t>
-            </a:r>
-            <a:r>
-              <a:rPr lang="en-US" b="1">
+                <a:sym typeface="Wingdings" pitchFamily="2" charset="2"/>
+              </a:rPr>
+              <a:t></a:t>
+            </a:r>
+            <a:r>
+              <a:rPr lang="en-US" b="1" dirty="0">
                 <a:solidFill>
                   <a:srgbClr val="00B050"/>
                 </a:solidFill>
-                <a:sym typeface="Wingdings" pitchFamily="2" charset="2"/>
-              </a:rPr>
-              <a:t></a:t>
-            </a:r>
-            <a:r>
-              <a:rPr lang="en-US" b="1">
-                <a:solidFill>
-                  <a:srgbClr val="00B050"/>
-                </a:solidFill>
-              </a:rPr>
-              <a:t> </a:t>
-            </a:r>
-            <a:r>
-              <a:rPr lang="en-US" b="1" dirty="0">
-                <a:solidFill>
-                  <a:srgbClr val="00B050"/>
-                </a:solidFill>
-              </a:rPr>
-              <a:t>as attribute</a:t>
+              </a:rPr>
+              <a:t> as attribute</a:t>
             </a:r>
           </a:p>
         </p:txBody>
@@ -29216,8 +29200,38 @@
                   <a:srgbClr val="00B050"/>
                 </a:solidFill>
               </a:rPr>
-              <a:t>TYPES - INLINE</a:t>
-            </a:r>
+              <a:t>TYPES </a:t>
+            </a:r>
+            <a:r>
+              <a:rPr lang="en-US" b="1" dirty="0">
+                <a:solidFill>
+                  <a:srgbClr val="00B050"/>
+                </a:solidFill>
+                <a:sym typeface="Wingdings" pitchFamily="2" charset="2"/>
+              </a:rPr>
+              <a:t></a:t>
+            </a:r>
+            <a:r>
+              <a:rPr lang="en-US" b="1" dirty="0">
+                <a:solidFill>
+                  <a:srgbClr val="00B050"/>
+                </a:solidFill>
+              </a:rPr>
+              <a:t> </a:t>
+            </a:r>
+            <a:r>
+              <a:rPr lang="en-US" b="1">
+                <a:solidFill>
+                  <a:srgbClr val="00B050"/>
+                </a:solidFill>
+              </a:rPr>
+              <a:t>INLINE type</a:t>
+            </a:r>
+            <a:endParaRPr lang="en-US" b="1" dirty="0">
+              <a:solidFill>
+                <a:srgbClr val="00B050"/>
+              </a:solidFill>
+            </a:endParaRPr>
           </a:p>
         </p:txBody>
       </p:sp>
